--- a/Lending Club Case Study.pptx
+++ b/Lending Club Case Study.pptx
@@ -10533,7 +10533,7 @@
                 <a:cs typeface="Arial"/>
                 <a:sym typeface="Arial"/>
               </a:rPr>
-              <a:t>The number of defaulted loan is 6 times less than the number of fully paid loan. it is not Good indication.</a:t>
+              <a:t>The number of defaulted loan is 6 times less than the number of fully paid loan. </a:t>
             </a:r>
             <a:endParaRPr sz="1400">
               <a:solidFill>
@@ -12991,7 +12991,7 @@
                 <a:cs typeface="Arial"/>
                 <a:sym typeface="Arial"/>
               </a:rPr>
-              <a:t>Defaulted loan amounts rise when interest rates increases.</a:t>
+              <a:t>Defaulted number  loan rise when interest rates increases.</a:t>
             </a:r>
             <a:endParaRPr sz="1400">
               <a:solidFill>
@@ -13034,7 +13034,7 @@
                 <a:cs typeface="Arial"/>
                 <a:sym typeface="Arial"/>
               </a:rPr>
-              <a:t>Employees with 10+ years experience have higher changes to default .</a:t>
+              <a:t>Employees with 10+ years experience have higher chances to default .</a:t>
             </a:r>
             <a:endParaRPr sz="1400">
               <a:solidFill>
@@ -13832,7 +13832,23 @@
                   <a:srgbClr val="FFFFFF"/>
                 </a:highlight>
               </a:rPr>
-              <a:t>60 month term has more loan than 36 which is normal. As borrower get more amount and they more time to settle.</a:t>
+              <a:t>Mode of </a:t>
+            </a:r>
+            <a:r>
+              <a:rPr lang="en-GB" sz="1050">
+                <a:highlight>
+                  <a:schemeClr val="lt1"/>
+                </a:highlight>
+              </a:rPr>
+              <a:t>loan amount in</a:t>
+            </a:r>
+            <a:r>
+              <a:rPr lang="en-GB" sz="1050">
+                <a:highlight>
+                  <a:srgbClr val="FFFFFF"/>
+                </a:highlight>
+              </a:rPr>
+              <a:t> 60 month term is more than 36 which is normal. Because borrower get more amount as they need more time to settle.</a:t>
             </a:r>
             <a:endParaRPr sz="1050">
               <a:highlight>
@@ -14577,7 +14593,23 @@
                   <a:srgbClr val="FFFFFF"/>
                 </a:highlight>
               </a:rPr>
-              <a:t>  risky </a:t>
+              <a:t>  </a:t>
+            </a:r>
+            <a:r>
+              <a:rPr lang="en-GB" sz="1050">
+                <a:highlight>
+                  <a:srgbClr val="FFFFFF"/>
+                </a:highlight>
+              </a:rPr>
+              <a:t>riskier</a:t>
+            </a:r>
+            <a:r>
+              <a:rPr lang="en-GB" sz="1050">
+                <a:highlight>
+                  <a:srgbClr val="FFFFFF"/>
+                </a:highlight>
+              </a:rPr>
+              <a:t> </a:t>
             </a:r>
             <a:r>
               <a:rPr lang="en-GB" sz="1050">
@@ -14621,7 +14653,7 @@
                   <a:srgbClr val="FFFFFF"/>
                 </a:highlight>
               </a:rPr>
-              <a:t>Based this analysis, Current loans are more </a:t>
+              <a:t>Based on this analysis, Current loans are more </a:t>
             </a:r>
             <a:r>
               <a:rPr lang="en-GB" sz="1050">
@@ -14629,7 +14661,7 @@
                   <a:srgbClr val="FFFFFF"/>
                 </a:highlight>
               </a:rPr>
-              <a:t>risky</a:t>
+              <a:t>riskier</a:t>
             </a:r>
             <a:r>
               <a:rPr lang="en-GB" sz="1050">
@@ -14928,7 +14960,7 @@
                   <a:srgbClr val="FFFFFF"/>
                 </a:highlight>
               </a:rPr>
-              <a:t>Higher the annual income ,has lesser the risk of “Charged off”</a:t>
+              <a:t>High annual income is less the risk of default loan</a:t>
             </a:r>
             <a:endParaRPr sz="1050">
               <a:highlight>
@@ -15255,7 +15287,7 @@
                   <a:srgbClr val="FFFFFF"/>
                 </a:highlight>
               </a:rPr>
-              <a:t>For all  home status, Loan amount increases, it becomes risky</a:t>
+              <a:t>For all  home status, Loan amount increases, it becomes risky.</a:t>
             </a:r>
             <a:endParaRPr sz="1050">
               <a:highlight>
@@ -16131,7 +16163,7 @@
         </p:spPr>
         <p:txBody>
           <a:bodyPr anchorCtr="0" anchor="t" bIns="91425" lIns="91425" spcFirstLastPara="1" rIns="91425" wrap="square" tIns="91425">
-            <a:normAutofit lnSpcReduction="10000"/>
+            <a:normAutofit lnSpcReduction="20000"/>
           </a:bodyPr>
           <a:lstStyle/>
           <a:p>
@@ -16164,7 +16196,7 @@
             </a:pPr>
             <a:r>
               <a:rPr lang="en-GB"/>
-              <a:t>DTI  is being higher-</a:t>
+              <a:t>DTI   being higher</a:t>
             </a:r>
             <a:endParaRPr/>
           </a:p>
@@ -16215,7 +16247,7 @@
             </a:pPr>
             <a:r>
               <a:rPr lang="en-GB"/>
-              <a:t>Public record of Bankruptcies is higher</a:t>
+              <a:t>Number of Public record of Bankruptcies  is higher</a:t>
             </a:r>
             <a:endParaRPr/>
           </a:p>
@@ -16232,7 +16264,7 @@
             </a:pPr>
             <a:r>
               <a:rPr lang="en-GB"/>
-              <a:t>Home status  </a:t>
+              <a:t>Home status  as </a:t>
             </a:r>
             <a:r>
               <a:rPr lang="en-GB"/>
@@ -16257,7 +16289,24 @@
             </a:pPr>
             <a:r>
               <a:rPr lang="en-GB"/>
-              <a:t>High Interest Rate</a:t>
+              <a:t>Higher Interest Rate</a:t>
+            </a:r>
+            <a:endParaRPr/>
+          </a:p>
+          <a:p>
+            <a:pPr indent="-298450" lvl="1" marL="914400" rtl="0" algn="l">
+              <a:spcBef>
+                <a:spcPts val="0"/>
+              </a:spcBef>
+              <a:spcAft>
+                <a:spcPts val="0"/>
+              </a:spcAft>
+              <a:buSzPts val="1100"/>
+              <a:buChar char="○"/>
+            </a:pPr>
+            <a:r>
+              <a:rPr lang="en-GB"/>
+              <a:t>Higher Installment.</a:t>
             </a:r>
             <a:endParaRPr/>
           </a:p>
@@ -16320,7 +16369,7 @@
             </a:pPr>
             <a:r>
               <a:rPr lang="en-GB"/>
-              <a:t>Borrower with higher grade is risky as their interest rate is higher</a:t>
+              <a:t>Borrower with higher grade(E and F) is risky as their interest rate is higher</a:t>
             </a:r>
             <a:endParaRPr/>
           </a:p>
@@ -16466,7 +16515,7 @@
                 <a:cs typeface="Arial"/>
                 <a:sym typeface="Arial"/>
               </a:rPr>
-              <a:t>The data given as part  the case study contains information about past </a:t>
+              <a:t>The data given as part of the case study contains information about past </a:t>
             </a:r>
             <a:r>
               <a:rPr b="1" lang="en-GB" sz="1406">
@@ -16496,37 +16545,7 @@
                 <a:cs typeface="Arial"/>
                 <a:sym typeface="Arial"/>
               </a:rPr>
-              <a:t> loan </a:t>
-            </a:r>
-            <a:r>
-              <a:rPr lang="en-GB" sz="1406">
-                <a:solidFill>
-                  <a:srgbClr val="000000"/>
-                </a:solidFill>
-                <a:highlight>
-                  <a:srgbClr val="FFFFFF"/>
-                </a:highlight>
-                <a:latin typeface="Arial"/>
-                <a:ea typeface="Arial"/>
-                <a:cs typeface="Arial"/>
-                <a:sym typeface="Arial"/>
-              </a:rPr>
-              <a:t>borrower</a:t>
-            </a:r>
-            <a:r>
-              <a:rPr lang="en-GB" sz="1406">
-                <a:solidFill>
-                  <a:srgbClr val="000000"/>
-                </a:solidFill>
-                <a:highlight>
-                  <a:srgbClr val="FFFFFF"/>
-                </a:highlight>
-                <a:latin typeface="Arial"/>
-                <a:ea typeface="Arial"/>
-                <a:cs typeface="Arial"/>
-                <a:sym typeface="Arial"/>
-              </a:rPr>
-              <a:t> whether they ‘defaulted’ or not.</a:t>
+              <a:t> loan whether they ‘defaulted’ or not.</a:t>
             </a:r>
             <a:endParaRPr sz="1406">
               <a:solidFill>
@@ -16875,7 +16894,7 @@
         </p:nvSpPr>
         <p:spPr>
           <a:xfrm>
-            <a:off x="788440" y="3962725"/>
+            <a:off x="788440" y="4267525"/>
             <a:ext cx="842400" cy="709500"/>
           </a:xfrm>
           <a:prstGeom prst="rect">
@@ -16935,7 +16954,7 @@
         </p:nvSpPr>
         <p:spPr>
           <a:xfrm>
-            <a:off x="1630840" y="3962725"/>
+            <a:off x="1630840" y="4267525"/>
             <a:ext cx="842400" cy="709500"/>
           </a:xfrm>
           <a:prstGeom prst="rect">
@@ -16995,7 +17014,7 @@
         </p:nvSpPr>
         <p:spPr>
           <a:xfrm>
-            <a:off x="3315640" y="3962725"/>
+            <a:off x="3315640" y="4267525"/>
             <a:ext cx="842400" cy="709500"/>
           </a:xfrm>
           <a:prstGeom prst="rect">
@@ -17055,7 +17074,7 @@
         </p:nvSpPr>
         <p:spPr>
           <a:xfrm>
-            <a:off x="2473240" y="3962725"/>
+            <a:off x="2473240" y="4267525"/>
             <a:ext cx="842400" cy="709500"/>
           </a:xfrm>
           <a:prstGeom prst="rect">
@@ -17115,7 +17134,7 @@
         </p:nvSpPr>
         <p:spPr>
           <a:xfrm>
-            <a:off x="4164553" y="3962725"/>
+            <a:off x="4164553" y="4267525"/>
             <a:ext cx="842400" cy="709500"/>
           </a:xfrm>
           <a:prstGeom prst="rect">
@@ -17175,7 +17194,7 @@
         </p:nvSpPr>
         <p:spPr>
           <a:xfrm>
-            <a:off x="5006953" y="3962725"/>
+            <a:off x="5006953" y="4267525"/>
             <a:ext cx="842400" cy="709500"/>
           </a:xfrm>
           <a:prstGeom prst="rect">
@@ -17235,7 +17254,7 @@
         </p:nvSpPr>
         <p:spPr>
           <a:xfrm>
-            <a:off x="6678165" y="3962725"/>
+            <a:off x="6678165" y="4267525"/>
             <a:ext cx="842400" cy="709500"/>
           </a:xfrm>
           <a:prstGeom prst="rect">
@@ -17315,7 +17334,7 @@
         </p:nvSpPr>
         <p:spPr>
           <a:xfrm>
-            <a:off x="5835753" y="3962725"/>
+            <a:off x="5835753" y="4267525"/>
             <a:ext cx="842400" cy="709500"/>
           </a:xfrm>
           <a:prstGeom prst="rect">
@@ -17375,7 +17394,7 @@
         </p:nvSpPr>
         <p:spPr>
           <a:xfrm>
-            <a:off x="7506965" y="3962725"/>
+            <a:off x="7506965" y="4267525"/>
             <a:ext cx="842400" cy="709500"/>
           </a:xfrm>
           <a:prstGeom prst="rect">
@@ -18175,6 +18194,88 @@
               <a:buNone/>
             </a:pPr>
             <a:r>
+              <a:rPr lang="en-GB" sz="1100">
+                <a:solidFill>
+                  <a:schemeClr val="accent1"/>
+                </a:solidFill>
+                <a:latin typeface="Lato"/>
+                <a:ea typeface="Lato"/>
+                <a:cs typeface="Lato"/>
+                <a:sym typeface="Lato"/>
+              </a:rPr>
+              <a:t>Employment</a:t>
+            </a:r>
+            <a:r>
+              <a:rPr lang="en-GB" sz="1100">
+                <a:solidFill>
+                  <a:schemeClr val="accent1"/>
+                </a:solidFill>
+                <a:latin typeface="Lato"/>
+                <a:ea typeface="Lato"/>
+                <a:cs typeface="Lato"/>
+                <a:sym typeface="Lato"/>
+              </a:rPr>
+              <a:t> </a:t>
+            </a:r>
+            <a:r>
+              <a:rPr lang="en-GB" sz="1100">
+                <a:solidFill>
+                  <a:schemeClr val="accent1"/>
+                </a:solidFill>
+                <a:latin typeface="Lato"/>
+                <a:ea typeface="Lato"/>
+                <a:cs typeface="Lato"/>
+                <a:sym typeface="Lato"/>
+              </a:rPr>
+              <a:t>Experience</a:t>
+            </a:r>
+            <a:endParaRPr sz="1100">
+              <a:solidFill>
+                <a:schemeClr val="accent1"/>
+              </a:solidFill>
+              <a:latin typeface="Lato"/>
+              <a:ea typeface="Lato"/>
+              <a:cs typeface="Lato"/>
+              <a:sym typeface="Lato"/>
+            </a:endParaRPr>
+          </a:p>
+        </p:txBody>
+      </p:sp>
+      <p:sp>
+        <p:nvSpPr>
+          <p:cNvPr id="138" name="Google Shape;138;p19"/>
+          <p:cNvSpPr txBox="1"/>
+          <p:nvPr/>
+        </p:nvSpPr>
+        <p:spPr>
+          <a:xfrm>
+            <a:off x="3268250" y="4812811"/>
+            <a:ext cx="1004700" cy="75300"/>
+          </a:xfrm>
+          <a:prstGeom prst="rect">
+            <a:avLst/>
+          </a:prstGeom>
+          <a:noFill/>
+          <a:ln>
+            <a:noFill/>
+          </a:ln>
+        </p:spPr>
+        <p:txBody>
+          <a:bodyPr anchorCtr="0" anchor="t" bIns="91425" lIns="91425" spcFirstLastPara="1" rIns="91425" wrap="square" tIns="91425">
+            <a:noAutofit/>
+          </a:bodyPr>
+          <a:lstStyle/>
+          <a:p>
+            <a:pPr indent="0" lvl="0" marL="0" rtl="0" algn="l">
+              <a:spcBef>
+                <a:spcPts val="0"/>
+              </a:spcBef>
+              <a:spcAft>
+                <a:spcPts val="0"/>
+              </a:spcAft>
+              <a:buNone/>
+            </a:pPr>
+            <a:r>
               <a:rPr lang="en-GB" sz="1300">
                 <a:solidFill>
                   <a:schemeClr val="accent1"/>
@@ -18184,10 +18285,10 @@
                 <a:cs typeface="Lato"/>
                 <a:sym typeface="Lato"/>
               </a:rPr>
-              <a:t>Employee</a:t>
-            </a:r>
-            <a:r>
-              <a:rPr lang="en-GB" sz="1300">
+              <a:t>`</a:t>
+            </a:r>
+            <a:r>
+              <a:rPr lang="en-GB" sz="1000">
                 <a:solidFill>
                   <a:schemeClr val="accent1"/>
                 </a:solidFill>
@@ -18196,21 +18297,9 @@
                 <a:cs typeface="Lato"/>
                 <a:sym typeface="Lato"/>
               </a:rPr>
-              <a:t> </a:t>
-            </a:r>
-            <a:r>
-              <a:rPr lang="en-GB" sz="1300">
-                <a:solidFill>
-                  <a:schemeClr val="accent1"/>
-                </a:solidFill>
-                <a:latin typeface="Lato"/>
-                <a:ea typeface="Lato"/>
-                <a:cs typeface="Lato"/>
-                <a:sym typeface="Lato"/>
-              </a:rPr>
-              <a:t>Experience</a:t>
-            </a:r>
-            <a:endParaRPr sz="1300">
+              <a:t>Grade</a:t>
+            </a:r>
+            <a:endParaRPr sz="1000">
               <a:solidFill>
                 <a:schemeClr val="accent1"/>
               </a:solidFill>
@@ -18224,14 +18313,14 @@
       </p:sp>
       <p:sp>
         <p:nvSpPr>
-          <p:cNvPr id="138" name="Google Shape;138;p19"/>
+          <p:cNvPr id="139" name="Google Shape;139;p19"/>
           <p:cNvSpPr txBox="1"/>
           <p:nvPr/>
         </p:nvSpPr>
         <p:spPr>
           <a:xfrm>
-            <a:off x="3268250" y="4812811"/>
-            <a:ext cx="1004700" cy="75300"/>
+            <a:off x="5584625" y="4816975"/>
+            <a:ext cx="1218900" cy="174300"/>
           </a:xfrm>
           <a:prstGeom prst="rect">
             <a:avLst/>
@@ -18257,65 +18346,7 @@
               <a:buNone/>
             </a:pPr>
             <a:r>
-              <a:rPr lang="en-GB" sz="1300">
-                <a:solidFill>
-                  <a:schemeClr val="accent1"/>
-                </a:solidFill>
-                <a:latin typeface="Lato"/>
-                <a:ea typeface="Lato"/>
-                <a:cs typeface="Lato"/>
-                <a:sym typeface="Lato"/>
-              </a:rPr>
-              <a:t>`Grade</a:t>
-            </a:r>
-            <a:endParaRPr sz="1300">
-              <a:solidFill>
-                <a:schemeClr val="accent1"/>
-              </a:solidFill>
-              <a:latin typeface="Lato"/>
-              <a:ea typeface="Lato"/>
-              <a:cs typeface="Lato"/>
-              <a:sym typeface="Lato"/>
-            </a:endParaRPr>
-          </a:p>
-        </p:txBody>
-      </p:sp>
-      <p:sp>
-        <p:nvSpPr>
-          <p:cNvPr id="139" name="Google Shape;139;p19"/>
-          <p:cNvSpPr txBox="1"/>
-          <p:nvPr/>
-        </p:nvSpPr>
-        <p:spPr>
-          <a:xfrm>
-            <a:off x="5584625" y="4816975"/>
-            <a:ext cx="1218900" cy="174300"/>
-          </a:xfrm>
-          <a:prstGeom prst="rect">
-            <a:avLst/>
-          </a:prstGeom>
-          <a:noFill/>
-          <a:ln>
-            <a:noFill/>
-          </a:ln>
-        </p:spPr>
-        <p:txBody>
-          <a:bodyPr anchorCtr="0" anchor="t" bIns="91425" lIns="91425" spcFirstLastPara="1" rIns="91425" wrap="square" tIns="91425">
-            <a:noAutofit/>
-          </a:bodyPr>
-          <a:lstStyle/>
-          <a:p>
-            <a:pPr indent="0" lvl="0" marL="0" rtl="0" algn="l">
-              <a:spcBef>
-                <a:spcPts val="0"/>
-              </a:spcBef>
-              <a:spcAft>
-                <a:spcPts val="0"/>
-              </a:spcAft>
-              <a:buNone/>
-            </a:pPr>
-            <a:r>
-              <a:rPr lang="en-GB" sz="1300">
+              <a:rPr lang="en-GB" sz="1000">
                 <a:solidFill>
                   <a:schemeClr val="accent1"/>
                 </a:solidFill>
@@ -18326,7 +18357,7 @@
               </a:rPr>
               <a:t>Sub Grade</a:t>
             </a:r>
-            <a:endParaRPr sz="1300">
+            <a:endParaRPr sz="1000">
               <a:solidFill>
                 <a:schemeClr val="accent1"/>
               </a:solidFill>
@@ -18485,7 +18516,7 @@
               <a:buNone/>
             </a:pPr>
             <a:r>
-              <a:rPr lang="en-GB" sz="1300">
+              <a:rPr lang="en-GB" sz="1000">
                 <a:solidFill>
                   <a:schemeClr val="accent1"/>
                 </a:solidFill>
@@ -18496,7 +18527,7 @@
               </a:rPr>
               <a:t>Issue Year</a:t>
             </a:r>
-            <a:endParaRPr sz="1300">
+            <a:endParaRPr sz="1000">
               <a:solidFill>
                 <a:schemeClr val="accent1"/>
               </a:solidFill>
@@ -18571,7 +18602,7 @@
               <a:buNone/>
             </a:pPr>
             <a:r>
-              <a:rPr lang="en-GB" sz="1300">
+              <a:rPr lang="en-GB" sz="1000">
                 <a:solidFill>
                   <a:schemeClr val="accent1"/>
                 </a:solidFill>
@@ -18580,10 +18611,10 @@
                 <a:cs typeface="Lato"/>
                 <a:sym typeface="Lato"/>
               </a:rPr>
-              <a:t>Issue </a:t>
-            </a:r>
-            <a:r>
-              <a:rPr lang="en-GB" sz="1300">
+              <a:t>Issued </a:t>
+            </a:r>
+            <a:r>
+              <a:rPr lang="en-GB" sz="1000">
                 <a:solidFill>
                   <a:schemeClr val="accent1"/>
                 </a:solidFill>
@@ -18594,7 +18625,7 @@
               </a:rPr>
               <a:t>Quarter</a:t>
             </a:r>
-            <a:endParaRPr sz="1300">
+            <a:endParaRPr sz="1000">
               <a:solidFill>
                 <a:schemeClr val="accent1"/>
               </a:solidFill>
@@ -18669,7 +18700,7 @@
               <a:buNone/>
             </a:pPr>
             <a:r>
-              <a:rPr lang="en-GB" sz="1300">
+              <a:rPr lang="en-GB" sz="1000">
                 <a:solidFill>
                   <a:schemeClr val="accent1"/>
                 </a:solidFill>
@@ -18680,7 +18711,7 @@
               </a:rPr>
               <a:t>Issue Month</a:t>
             </a:r>
-            <a:endParaRPr sz="1300">
+            <a:endParaRPr sz="1000">
               <a:solidFill>
                 <a:schemeClr val="accent1"/>
               </a:solidFill>
@@ -18791,11 +18822,11 @@
         </p:spPr>
         <p:txBody>
           <a:bodyPr anchorCtr="0" anchor="t" bIns="91425" lIns="91425" spcFirstLastPara="1" rIns="91425" wrap="square" tIns="91425">
-            <a:normAutofit fontScale="85000" lnSpcReduction="10000"/>
+            <a:normAutofit fontScale="92500" lnSpcReduction="20000"/>
           </a:bodyPr>
           <a:lstStyle/>
           <a:p>
-            <a:pPr indent="-347345" lvl="0" marL="457200" rtl="0" algn="l">
+            <a:pPr indent="-357822" lvl="0" marL="457200" rtl="0" algn="l">
               <a:spcBef>
                 <a:spcPts val="1100"/>
               </a:spcBef>
@@ -18809,6 +18840,21 @@
               <a:buFont typeface="Arial"/>
               <a:buChar char="●"/>
             </a:pPr>
+            <a:r>
+              <a:rPr lang="en-GB" sz="2200">
+                <a:solidFill>
+                  <a:srgbClr val="000000"/>
+                </a:solidFill>
+                <a:highlight>
+                  <a:schemeClr val="lt1"/>
+                </a:highlight>
+                <a:latin typeface="Arial"/>
+                <a:ea typeface="Arial"/>
+                <a:cs typeface="Arial"/>
+                <a:sym typeface="Arial"/>
+              </a:rPr>
+              <a:t>Majority </a:t>
+            </a:r>
             <a:r>
               <a:rPr lang="en-GB" sz="2200">
                 <a:solidFill>
@@ -18822,7 +18868,7 @@
                 <a:cs typeface="Arial"/>
                 <a:sym typeface="Arial"/>
               </a:rPr>
-              <a:t>A large </a:t>
+              <a:t>of loans </a:t>
             </a:r>
             <a:r>
               <a:rPr lang="en-GB" sz="2200">
@@ -18837,22 +18883,7 @@
                 <a:cs typeface="Arial"/>
                 <a:sym typeface="Arial"/>
               </a:rPr>
-              <a:t>amount</a:t>
-            </a:r>
-            <a:r>
-              <a:rPr lang="en-GB" sz="2200">
-                <a:solidFill>
-                  <a:srgbClr val="000000"/>
-                </a:solidFill>
-                <a:highlight>
-                  <a:srgbClr val="FFFFFF"/>
-                </a:highlight>
-                <a:latin typeface="Arial"/>
-                <a:ea typeface="Arial"/>
-                <a:cs typeface="Arial"/>
-                <a:sym typeface="Arial"/>
-              </a:rPr>
-              <a:t> of loans are with grade 'A' and 'B' </a:t>
+              <a:t>are with grade 'A' and 'B' </a:t>
             </a:r>
             <a:r>
               <a:rPr lang="en-GB" sz="2200">
@@ -18898,7 +18929,7 @@
             </a:endParaRPr>
           </a:p>
           <a:p>
-            <a:pPr indent="-347345" lvl="0" marL="457200" rtl="0" algn="l">
+            <a:pPr indent="-357822" lvl="0" marL="457200" rtl="0" algn="l">
               <a:spcBef>
                 <a:spcPts val="0"/>
               </a:spcBef>
@@ -19001,7 +19032,7 @@
             </a:endParaRPr>
           </a:p>
           <a:p>
-            <a:pPr indent="-347345" lvl="0" marL="457200" rtl="0" algn="l">
+            <a:pPr indent="-357822" lvl="0" marL="457200" rtl="0" algn="l">
               <a:spcBef>
                 <a:spcPts val="0"/>
               </a:spcBef>
@@ -19044,7 +19075,7 @@
             </a:endParaRPr>
           </a:p>
           <a:p>
-            <a:pPr indent="-347345" lvl="0" marL="457200" rtl="0" algn="l">
+            <a:pPr indent="-357822" lvl="0" marL="457200" rtl="0" algn="l">
               <a:spcBef>
                 <a:spcPts val="0"/>
               </a:spcBef>
@@ -19087,7 +19118,7 @@
             </a:endParaRPr>
           </a:p>
           <a:p>
-            <a:pPr indent="-347345" lvl="0" marL="457200" rtl="0" algn="l">
+            <a:pPr indent="-357822" lvl="0" marL="457200" rtl="0" algn="l">
               <a:spcBef>
                 <a:spcPts val="0"/>
               </a:spcBef>
